--- a/project_presentation.pptx
+++ b/project_presentation.pptx
@@ -4748,7 +4748,12 @@
             <p:ph type="title"/>
           </p:nvPr>
         </p:nvSpPr>
-        <p:spPr/>
+        <p:spPr>
+          <a:xfrm>
+            <a:off x="448965" y="128470"/>
+            <a:ext cx="6108200" cy="572644"/>
+          </a:xfrm>
+        </p:spPr>
         <p:txBody>
           <a:bodyPr>
             <a:normAutofit fontScale="90000"/>
@@ -4761,7 +4766,7 @@
                   <a:schemeClr val="accent2"/>
                 </a:solidFill>
               </a:rPr>
-              <a:t>correlation between target and some of other features </a:t>
+              <a:t>correlation between target and final features </a:t>
             </a:r>
             <a:endParaRPr lang="en-SA" dirty="0"/>
           </a:p>
@@ -4769,10 +4774,10 @@
       </p:sp>
       <p:pic>
         <p:nvPicPr>
-          <p:cNvPr id="5" name="Content Placeholder 4">
+          <p:cNvPr id="7" name="Content Placeholder 6">
             <a:extLst>
               <a:ext uri="{FF2B5EF4-FFF2-40B4-BE49-F238E27FC236}">
-                <a16:creationId xmlns:a16="http://schemas.microsoft.com/office/drawing/2014/main" id="{EF05116A-CFC8-1440-B3D0-E16C19804C3D}"/>
+                <a16:creationId xmlns:a16="http://schemas.microsoft.com/office/drawing/2014/main" id="{D138DB62-4ADA-A243-B45C-89B6B6BFD570}"/>
               </a:ext>
             </a:extLst>
           </p:cNvPr>
@@ -4797,8 +4802,8 @@
         </p:blipFill>
         <p:spPr>
           <a:xfrm>
-            <a:off x="296260" y="1197406"/>
-            <a:ext cx="6260905" cy="3946094"/>
+            <a:off x="0" y="891995"/>
+            <a:ext cx="6251755" cy="4251505"/>
           </a:xfrm>
         </p:spPr>
       </p:pic>
